--- a/slide/Capstone.pptx
+++ b/slide/Capstone.pptx
@@ -24542,7 +24542,7 @@
         </p:nvSpPr>
         <p:spPr>
           <a:xfrm>
-            <a:off x="1370825" y="438850"/>
+            <a:off x="1370825" y="351175"/>
             <a:ext cx="6380400" cy="3108600"/>
           </a:xfrm>
           <a:prstGeom prst="rect">
@@ -25470,7 +25470,7 @@
         </p:nvSpPr>
         <p:spPr>
           <a:xfrm>
-            <a:off x="2111913" y="2960275"/>
+            <a:off x="2111913" y="2872600"/>
             <a:ext cx="5033100" cy="1096800"/>
           </a:xfrm>
           <a:prstGeom prst="rect">
@@ -25486,6 +25486,53 @@
             <a:noAutofit/>
           </a:bodyPr>
           <a:lstStyle/>
+          <a:p>
+            <a:pPr indent="0" lvl="0" marL="0" marR="0" rtl="0" algn="ctr">
+              <a:lnSpc>
+                <a:spcPct val="150000"/>
+              </a:lnSpc>
+              <a:spcBef>
+                <a:spcPts val="0"/>
+              </a:spcBef>
+              <a:spcAft>
+                <a:spcPts val="0"/>
+              </a:spcAft>
+              <a:buNone/>
+            </a:pPr>
+            <a:r>
+              <a:rPr b="1" lang="en" sz="1600">
+                <a:solidFill>
+                  <a:schemeClr val="dk1"/>
+                </a:solidFill>
+                <a:latin typeface="Lato"/>
+                <a:ea typeface="Lato"/>
+                <a:cs typeface="Lato"/>
+                <a:sym typeface="Lato"/>
+              </a:rPr>
+              <a:t>Presentation on Capstone project</a:t>
+            </a:r>
+            <a:r>
+              <a:rPr i="1" lang="en" sz="1500">
+                <a:solidFill>
+                  <a:schemeClr val="dk1"/>
+                </a:solidFill>
+                <a:latin typeface="Lato"/>
+                <a:ea typeface="Lato"/>
+                <a:cs typeface="Lato"/>
+                <a:sym typeface="Lato"/>
+              </a:rPr>
+              <a:t>   </a:t>
+            </a:r>
+            <a:endParaRPr i="1" sz="1500">
+              <a:solidFill>
+                <a:schemeClr val="dk1"/>
+              </a:solidFill>
+              <a:latin typeface="Lato"/>
+              <a:ea typeface="Lato"/>
+              <a:cs typeface="Lato"/>
+              <a:sym typeface="Lato"/>
+            </a:endParaRPr>
+          </a:p>
           <a:p>
             <a:pPr indent="0" lvl="0" marL="1828800" marR="0" rtl="0" algn="l">
               <a:lnSpc>
@@ -25535,7 +25582,7 @@
               <a:buNone/>
             </a:pPr>
             <a:r>
-              <a:rPr lang="en" sz="1600">
+              <a:rPr b="1" lang="en" sz="1600">
                 <a:solidFill>
                   <a:schemeClr val="dk1"/>
                 </a:solidFill>
@@ -25546,7 +25593,7 @@
               </a:rPr>
               <a:t>Target_Blank ( 5th Group )</a:t>
             </a:r>
-            <a:endParaRPr sz="1600">
+            <a:endParaRPr b="1" sz="1600">
               <a:solidFill>
                 <a:schemeClr val="dk1"/>
               </a:solidFill>
@@ -32569,44 +32616,44 @@
 </file>
 
 <file path=ppt/theme/theme2.xml><?xml version="1.0" encoding="utf-8"?>
-<a:theme xmlns:a="http://schemas.openxmlformats.org/drawingml/2006/main" xmlns:r="http://schemas.openxmlformats.org/officeDocument/2006/relationships">
+<a:theme xmlns:a="http://schemas.openxmlformats.org/drawingml/2006/main" xmlns:r="http://schemas.openxmlformats.org/officeDocument/2006/relationships" name="World Hearing Day Infographics by Slidesgo">
   <a:themeElements>
-    <a:clrScheme name="Default">
+    <a:clrScheme name="Simple Light">
       <a:dk1>
-        <a:srgbClr val="000000"/>
+        <a:srgbClr val="422E25"/>
       </a:dk1>
       <a:lt1>
-        <a:srgbClr val="FFFFFF"/>
+        <a:srgbClr val="FFF5E7"/>
       </a:lt1>
       <a:dk2>
-        <a:srgbClr val="158158"/>
+        <a:srgbClr val="FFE3BA"/>
       </a:dk2>
       <a:lt2>
-        <a:srgbClr val="F3F3F3"/>
+        <a:srgbClr val="EDAB85"/>
       </a:lt2>
       <a:accent1>
-        <a:srgbClr val="058DC7"/>
+        <a:srgbClr val="AC7F6A"/>
       </a:accent1>
       <a:accent2>
-        <a:srgbClr val="50B432"/>
+        <a:srgbClr val="694C3F"/>
       </a:accent2>
       <a:accent3>
-        <a:srgbClr val="ED561B"/>
+        <a:srgbClr val="FFFFFF"/>
       </a:accent3>
       <a:accent4>
-        <a:srgbClr val="EDEF00"/>
+        <a:srgbClr val="FFFFFF"/>
       </a:accent4>
       <a:accent5>
-        <a:srgbClr val="24CBE5"/>
+        <a:srgbClr val="FFFFFF"/>
       </a:accent5>
       <a:accent6>
-        <a:srgbClr val="64E572"/>
+        <a:srgbClr val="FFFFFF"/>
       </a:accent6>
       <a:hlink>
-        <a:srgbClr val="2200CC"/>
+        <a:srgbClr val="422E25"/>
       </a:hlink>
       <a:folHlink>
-        <a:srgbClr val="551A8B"/>
+        <a:srgbClr val="0097A7"/>
       </a:folHlink>
     </a:clrScheme>
     <a:fontScheme name="Office">
@@ -33127,44 +33174,44 @@
 </file>
 
 <file path=ppt/theme/theme4.xml><?xml version="1.0" encoding="utf-8"?>
-<a:theme xmlns:a="http://schemas.openxmlformats.org/drawingml/2006/main" xmlns:r="http://schemas.openxmlformats.org/officeDocument/2006/relationships" name="World Hearing Day Infographics by Slidesgo">
+<a:theme xmlns:a="http://schemas.openxmlformats.org/drawingml/2006/main" xmlns:r="http://schemas.openxmlformats.org/officeDocument/2006/relationships">
   <a:themeElements>
-    <a:clrScheme name="Simple Light">
+    <a:clrScheme name="Default">
       <a:dk1>
-        <a:srgbClr val="422E25"/>
+        <a:srgbClr val="000000"/>
       </a:dk1>
       <a:lt1>
-        <a:srgbClr val="FFF5E7"/>
+        <a:srgbClr val="FFFFFF"/>
       </a:lt1>
       <a:dk2>
-        <a:srgbClr val="FFE3BA"/>
+        <a:srgbClr val="158158"/>
       </a:dk2>
       <a:lt2>
-        <a:srgbClr val="EDAB85"/>
+        <a:srgbClr val="F3F3F3"/>
       </a:lt2>
       <a:accent1>
-        <a:srgbClr val="AC7F6A"/>
+        <a:srgbClr val="058DC7"/>
       </a:accent1>
       <a:accent2>
-        <a:srgbClr val="694C3F"/>
+        <a:srgbClr val="50B432"/>
       </a:accent2>
       <a:accent3>
-        <a:srgbClr val="FFFFFF"/>
+        <a:srgbClr val="ED561B"/>
       </a:accent3>
       <a:accent4>
-        <a:srgbClr val="FFFFFF"/>
+        <a:srgbClr val="EDEF00"/>
       </a:accent4>
       <a:accent5>
-        <a:srgbClr val="FFFFFF"/>
+        <a:srgbClr val="24CBE5"/>
       </a:accent5>
       <a:accent6>
-        <a:srgbClr val="FFFFFF"/>
+        <a:srgbClr val="64E572"/>
       </a:accent6>
       <a:hlink>
-        <a:srgbClr val="422E25"/>
+        <a:srgbClr val="2200CC"/>
       </a:hlink>
       <a:folHlink>
-        <a:srgbClr val="0097A7"/>
+        <a:srgbClr val="551A8B"/>
       </a:folHlink>
     </a:clrScheme>
     <a:fontScheme name="Office">

--- a/slide/Capstone.pptx
+++ b/slide/Capstone.pptx
@@ -29870,10 +29870,10 @@
         </p:nvGrpSpPr>
         <p:grpSpPr>
           <a:xfrm>
-            <a:off x="714311" y="1693228"/>
-            <a:ext cx="6132911" cy="2518680"/>
-            <a:chOff x="896040" y="1695240"/>
-            <a:chExt cx="2532900" cy="2518680"/>
+            <a:off x="714300" y="1693228"/>
+            <a:ext cx="7459299" cy="2518672"/>
+            <a:chOff x="896035" y="1695240"/>
+            <a:chExt cx="3080700" cy="2518672"/>
           </a:xfrm>
         </p:grpSpPr>
         <p:sp>
@@ -29942,8 +29942,8 @@
           </p:nvSpPr>
           <p:spPr>
             <a:xfrm>
-              <a:off x="896040" y="2293920"/>
-              <a:ext cx="2532900" cy="1920000"/>
+              <a:off x="896035" y="2293912"/>
+              <a:ext cx="3080700" cy="1920000"/>
             </a:xfrm>
             <a:prstGeom prst="rect">
               <a:avLst/>
@@ -29986,7 +29986,7 @@
                   <a:cs typeface="Lato"/>
                   <a:sym typeface="Lato"/>
                 </a:rPr>
-                <a:t>Develop an Online Transaction system/ application.</a:t>
+                <a:t>Integration with online transactions for faster, convenient, and secure fare payments.</a:t>
               </a:r>
               <a:endParaRPr>
                 <a:solidFill>
@@ -30026,7 +30026,7 @@
                   <a:cs typeface="Lato"/>
                   <a:sym typeface="Lato"/>
                 </a:rPr>
-                <a:t>Implement smooth and precise online Recharge Functionality.</a:t>
+                <a:t>Centralized management through a secure server, reducing traffic at station.</a:t>
               </a:r>
               <a:endParaRPr>
                 <a:solidFill>
@@ -30066,7 +30066,7 @@
                   <a:cs typeface="Lato"/>
                   <a:sym typeface="Lato"/>
                 </a:rPr>
-                <a:t>Develop Card Balance and Transaction monitoring module.</a:t>
+                <a:t>Enhanced security measures to protect passenger data and prevent fraud.</a:t>
               </a:r>
               <a:endParaRPr>
                 <a:solidFill>
@@ -30106,7 +30106,7 @@
                   <a:cs typeface="Lato"/>
                   <a:sym typeface="Lato"/>
                 </a:rPr>
-                <a:t>To ensure Security and Privacy of users' and passengers'.</a:t>
+                <a:t>Account administration features monitor balances and manage fare payments.</a:t>
               </a:r>
               <a:endParaRPr>
                 <a:solidFill>
@@ -30146,7 +30146,7 @@
                   <a:cs typeface="Lato"/>
                   <a:sym typeface="Lato"/>
                 </a:rPr>
-                <a:t>Integrate with Existing Metro Rail Infrastructure.</a:t>
+                <a:t>Customizable information sharing options, giving users control over their data.</a:t>
               </a:r>
               <a:endParaRPr>
                 <a:solidFill>
